--- a/Plan/ゲーム大賞企画書.pptx
+++ b/Plan/ゲーム大賞企画書.pptx
@@ -10,6 +10,8 @@
     <p:sldId id="258" r:id="rId4"/>
     <p:sldId id="259" r:id="rId5"/>
     <p:sldId id="260" r:id="rId6"/>
+    <p:sldId id="261" r:id="rId7"/>
+    <p:sldId id="262" r:id="rId8"/>
   </p:sldIdLst>
   <p:sldSz cx="12192000" cy="6858000"/>
   <p:notesSz cx="6858000" cy="9144000"/>
@@ -108,6 +110,11 @@
       </a:defRPr>
     </a:lvl9pPr>
   </p:defaultTextStyle>
+  <p:extLst>
+    <p:ext uri="{EFAFB233-063F-42B5-8137-9DF3F51BA10A}">
+      <p15:sldGuideLst xmlns:p15="http://schemas.microsoft.com/office/powerpoint/2012/main"/>
+    </p:ext>
+  </p:extLst>
 </p:presentation>
 </file>
 
@@ -258,7 +265,7 @@
           <a:p>
             <a:fld id="{ADC77F4E-A418-4777-BEE3-48F21D3F6056}" type="datetimeFigureOut">
               <a:rPr kumimoji="1" lang="ja-JP" altLang="en-US" smtClean="0"/>
-              <a:t>2022/2/10</a:t>
+              <a:t>2022/2/11</a:t>
             </a:fld>
             <a:endParaRPr kumimoji="1" lang="ja-JP" altLang="en-US"/>
           </a:p>
@@ -488,7 +495,7 @@
           <a:p>
             <a:fld id="{ADC77F4E-A418-4777-BEE3-48F21D3F6056}" type="datetimeFigureOut">
               <a:rPr kumimoji="1" lang="ja-JP" altLang="en-US" smtClean="0"/>
-              <a:t>2022/2/10</a:t>
+              <a:t>2022/2/11</a:t>
             </a:fld>
             <a:endParaRPr kumimoji="1" lang="ja-JP" altLang="en-US"/>
           </a:p>
@@ -728,7 +735,7 @@
           <a:p>
             <a:fld id="{ADC77F4E-A418-4777-BEE3-48F21D3F6056}" type="datetimeFigureOut">
               <a:rPr kumimoji="1" lang="ja-JP" altLang="en-US" smtClean="0"/>
-              <a:t>2022/2/10</a:t>
+              <a:t>2022/2/11</a:t>
             </a:fld>
             <a:endParaRPr kumimoji="1" lang="ja-JP" altLang="en-US"/>
           </a:p>
@@ -958,7 +965,7 @@
           <a:p>
             <a:fld id="{ADC77F4E-A418-4777-BEE3-48F21D3F6056}" type="datetimeFigureOut">
               <a:rPr kumimoji="1" lang="ja-JP" altLang="en-US" smtClean="0"/>
-              <a:t>2022/2/10</a:t>
+              <a:t>2022/2/11</a:t>
             </a:fld>
             <a:endParaRPr kumimoji="1" lang="ja-JP" altLang="en-US"/>
           </a:p>
@@ -1233,7 +1240,7 @@
           <a:p>
             <a:fld id="{ADC77F4E-A418-4777-BEE3-48F21D3F6056}" type="datetimeFigureOut">
               <a:rPr kumimoji="1" lang="ja-JP" altLang="en-US" smtClean="0"/>
-              <a:t>2022/2/10</a:t>
+              <a:t>2022/2/11</a:t>
             </a:fld>
             <a:endParaRPr kumimoji="1" lang="ja-JP" altLang="en-US"/>
           </a:p>
@@ -1562,7 +1569,7 @@
           <a:p>
             <a:fld id="{ADC77F4E-A418-4777-BEE3-48F21D3F6056}" type="datetimeFigureOut">
               <a:rPr kumimoji="1" lang="ja-JP" altLang="en-US" smtClean="0"/>
-              <a:t>2022/2/10</a:t>
+              <a:t>2022/2/11</a:t>
             </a:fld>
             <a:endParaRPr kumimoji="1" lang="ja-JP" altLang="en-US"/>
           </a:p>
@@ -2038,7 +2045,7 @@
           <a:p>
             <a:fld id="{ADC77F4E-A418-4777-BEE3-48F21D3F6056}" type="datetimeFigureOut">
               <a:rPr kumimoji="1" lang="ja-JP" altLang="en-US" smtClean="0"/>
-              <a:t>2022/2/10</a:t>
+              <a:t>2022/2/11</a:t>
             </a:fld>
             <a:endParaRPr kumimoji="1" lang="ja-JP" altLang="en-US"/>
           </a:p>
@@ -2179,7 +2186,7 @@
           <a:p>
             <a:fld id="{ADC77F4E-A418-4777-BEE3-48F21D3F6056}" type="datetimeFigureOut">
               <a:rPr kumimoji="1" lang="ja-JP" altLang="en-US" smtClean="0"/>
-              <a:t>2022/2/10</a:t>
+              <a:t>2022/2/11</a:t>
             </a:fld>
             <a:endParaRPr kumimoji="1" lang="ja-JP" altLang="en-US"/>
           </a:p>
@@ -2292,7 +2299,7 @@
           <a:p>
             <a:fld id="{ADC77F4E-A418-4777-BEE3-48F21D3F6056}" type="datetimeFigureOut">
               <a:rPr kumimoji="1" lang="ja-JP" altLang="en-US" smtClean="0"/>
-              <a:t>2022/2/10</a:t>
+              <a:t>2022/2/11</a:t>
             </a:fld>
             <a:endParaRPr kumimoji="1" lang="ja-JP" altLang="en-US"/>
           </a:p>
@@ -2635,7 +2642,7 @@
           <a:p>
             <a:fld id="{ADC77F4E-A418-4777-BEE3-48F21D3F6056}" type="datetimeFigureOut">
               <a:rPr kumimoji="1" lang="ja-JP" altLang="en-US" smtClean="0"/>
-              <a:t>2022/2/10</a:t>
+              <a:t>2022/2/11</a:t>
             </a:fld>
             <a:endParaRPr kumimoji="1" lang="ja-JP" altLang="en-US"/>
           </a:p>
@@ -2923,7 +2930,7 @@
           <a:p>
             <a:fld id="{ADC77F4E-A418-4777-BEE3-48F21D3F6056}" type="datetimeFigureOut">
               <a:rPr kumimoji="1" lang="ja-JP" altLang="en-US" smtClean="0"/>
-              <a:t>2022/2/10</a:t>
+              <a:t>2022/2/11</a:t>
             </a:fld>
             <a:endParaRPr kumimoji="1" lang="ja-JP" altLang="en-US"/>
           </a:p>
@@ -3196,7 +3203,7 @@
           <a:p>
             <a:fld id="{ADC77F4E-A418-4777-BEE3-48F21D3F6056}" type="datetimeFigureOut">
               <a:rPr kumimoji="1" lang="ja-JP" altLang="en-US" smtClean="0"/>
-              <a:t>2022/2/10</a:t>
+              <a:t>2022/2/11</a:t>
             </a:fld>
             <a:endParaRPr kumimoji="1" lang="ja-JP" altLang="en-US"/>
           </a:p>
@@ -4255,31 +4262,105 @@
           </a:p>
         </p:txBody>
       </p:sp>
-      <p:sp>
-        <p:nvSpPr>
-          <p:cNvPr id="3" name="コンテンツ プレースホルダー 2">
-            <a:extLst>
-              <a:ext uri="{FF2B5EF4-FFF2-40B4-BE49-F238E27FC236}">
-                <a16:creationId xmlns:a16="http://schemas.microsoft.com/office/drawing/2014/main" id="{499B2F42-C678-4215-81B0-376B4F2D65AA}"/>
-              </a:ext>
-            </a:extLst>
-          </p:cNvPr>
-          <p:cNvSpPr>
-            <a:spLocks noGrp="1"/>
-          </p:cNvSpPr>
+      <p:pic>
+        <p:nvPicPr>
+          <p:cNvPr id="5" name="コンテンツ プレースホルダー 4" descr="座る, 探す, 小さい, テーブル が含まれている画像&#10;&#10;自動的に生成された説明">
+            <a:extLst>
+              <a:ext uri="{FF2B5EF4-FFF2-40B4-BE49-F238E27FC236}">
+                <a16:creationId xmlns:a16="http://schemas.microsoft.com/office/drawing/2014/main" id="{9EB7DAD7-1259-439F-8AC0-D5E49805B1B8}"/>
+              </a:ext>
+            </a:extLst>
+          </p:cNvPr>
+          <p:cNvPicPr>
+            <a:picLocks noGrp="1" noChangeAspect="1"/>
+          </p:cNvPicPr>
           <p:nvPr>
             <p:ph idx="1"/>
           </p:nvPr>
-        </p:nvSpPr>
-        <p:spPr/>
-        <p:txBody>
-          <a:bodyPr/>
-          <a:lstStyle/>
-          <a:p>
-            <a:pPr marL="0" indent="0">
-              <a:buNone/>
-            </a:pPr>
-            <a:endParaRPr kumimoji="1" lang="ja-JP" altLang="en-US" dirty="0"/>
+        </p:nvPicPr>
+        <p:blipFill>
+          <a:blip r:embed="rId2">
+            <a:extLst>
+              <a:ext uri="{28A0092B-C50C-407E-A947-70E740481C1C}">
+                <a14:useLocalDpi xmlns:a14="http://schemas.microsoft.com/office/drawing/2010/main" val="0"/>
+              </a:ext>
+            </a:extLst>
+          </a:blip>
+          <a:stretch>
+            <a:fillRect/>
+          </a:stretch>
+        </p:blipFill>
+        <p:spPr>
+          <a:xfrm>
+            <a:off x="5592938" y="3533774"/>
+            <a:ext cx="4885267" cy="2747963"/>
+          </a:xfrm>
+        </p:spPr>
+      </p:pic>
+      <p:sp>
+        <p:nvSpPr>
+          <p:cNvPr id="6" name="テキスト ボックス 5">
+            <a:extLst>
+              <a:ext uri="{FF2B5EF4-FFF2-40B4-BE49-F238E27FC236}">
+                <a16:creationId xmlns:a16="http://schemas.microsoft.com/office/drawing/2014/main" id="{F3FEDD20-F71D-403D-98F1-C2D83A16F2B1}"/>
+              </a:ext>
+            </a:extLst>
+          </p:cNvPr>
+          <p:cNvSpPr txBox="1"/>
+          <p:nvPr/>
+        </p:nvSpPr>
+        <p:spPr>
+          <a:xfrm>
+            <a:off x="752475" y="1690688"/>
+            <a:ext cx="7895110" cy="1477328"/>
+          </a:xfrm>
+          <a:prstGeom prst="rect">
+            <a:avLst/>
+          </a:prstGeom>
+          <a:noFill/>
+        </p:spPr>
+        <p:txBody>
+          <a:bodyPr wrap="none" rtlCol="0">
+            <a:spAutoFit/>
+          </a:bodyPr>
+          <a:lstStyle/>
+          <a:p>
+            <a:r>
+              <a:rPr lang="ja-JP" altLang="en-US" dirty="0"/>
+              <a:t>リアルタイムでプレイヤーを弾いて敵の攻撃を避けながら敵の</a:t>
+            </a:r>
+            <a:r>
+              <a:rPr lang="en-US" altLang="ja-JP" dirty="0"/>
+              <a:t>HP</a:t>
+            </a:r>
+            <a:r>
+              <a:rPr lang="ja-JP" altLang="en-US" dirty="0"/>
+              <a:t>を削り、</a:t>
+            </a:r>
+            <a:endParaRPr lang="en-US" altLang="ja-JP" dirty="0"/>
+          </a:p>
+          <a:p>
+            <a:r>
+              <a:rPr kumimoji="1" lang="ja-JP" altLang="en-US" dirty="0"/>
+              <a:t>渾身の一撃でボスを撃破。</a:t>
+            </a:r>
+            <a:endParaRPr kumimoji="1" lang="en-US" altLang="ja-JP" dirty="0"/>
+          </a:p>
+          <a:p>
+            <a:endParaRPr lang="en-US" altLang="ja-JP" dirty="0"/>
+          </a:p>
+          <a:p>
+            <a:r>
+              <a:rPr kumimoji="1" lang="ja-JP" altLang="en-US" dirty="0"/>
+              <a:t>渾身の一撃は完璧なタイミングでないとならず、</a:t>
+            </a:r>
+            <a:endParaRPr kumimoji="1" lang="en-US" altLang="ja-JP" dirty="0"/>
+          </a:p>
+          <a:p>
+            <a:r>
+              <a:rPr kumimoji="1" lang="ja-JP" altLang="en-US" dirty="0"/>
+              <a:t>失敗すると再度隙が出来るまで敵の攻撃をの避け続けなければならない</a:t>
+            </a:r>
           </a:p>
         </p:txBody>
       </p:sp>
@@ -4287,6 +4368,342 @@
     <p:extLst>
       <p:ext uri="{BB962C8B-B14F-4D97-AF65-F5344CB8AC3E}">
         <p14:creationId xmlns:p14="http://schemas.microsoft.com/office/powerpoint/2010/main" val="1046164382"/>
+      </p:ext>
+    </p:extLst>
+  </p:cSld>
+  <p:clrMapOvr>
+    <a:masterClrMapping/>
+  </p:clrMapOvr>
+</p:sld>
+</file>
+
+<file path=ppt/slides/slide6.xml><?xml version="1.0" encoding="utf-8"?>
+<p:sld xmlns:a="http://schemas.openxmlformats.org/drawingml/2006/main" xmlns:r="http://schemas.openxmlformats.org/officeDocument/2006/relationships" xmlns:p="http://schemas.openxmlformats.org/presentationml/2006/main">
+  <p:cSld>
+    <p:spTree>
+      <p:nvGrpSpPr>
+        <p:cNvPr id="1" name=""/>
+        <p:cNvGrpSpPr/>
+        <p:nvPr/>
+      </p:nvGrpSpPr>
+      <p:grpSpPr>
+        <a:xfrm>
+          <a:off x="0" y="0"/>
+          <a:ext cx="0" cy="0"/>
+          <a:chOff x="0" y="0"/>
+          <a:chExt cx="0" cy="0"/>
+        </a:xfrm>
+      </p:grpSpPr>
+      <p:sp>
+        <p:nvSpPr>
+          <p:cNvPr id="2" name="タイトル 1">
+            <a:extLst>
+              <a:ext uri="{FF2B5EF4-FFF2-40B4-BE49-F238E27FC236}">
+                <a16:creationId xmlns:a16="http://schemas.microsoft.com/office/drawing/2014/main" id="{D2DAA729-430A-4DE6-A3B2-76860D06878C}"/>
+              </a:ext>
+            </a:extLst>
+          </p:cNvPr>
+          <p:cNvSpPr>
+            <a:spLocks noGrp="1"/>
+          </p:cNvSpPr>
+          <p:nvPr>
+            <p:ph type="title"/>
+          </p:nvPr>
+        </p:nvSpPr>
+        <p:spPr/>
+        <p:txBody>
+          <a:bodyPr/>
+          <a:lstStyle/>
+          <a:p>
+            <a:pPr algn="ctr"/>
+            <a:r>
+              <a:rPr kumimoji="1" lang="ja-JP" altLang="en-US" dirty="0"/>
+              <a:t>ゲームの魅力</a:t>
+            </a:r>
+          </a:p>
+        </p:txBody>
+      </p:sp>
+      <p:sp>
+        <p:nvSpPr>
+          <p:cNvPr id="3" name="コンテンツ プレースホルダー 2">
+            <a:extLst>
+              <a:ext uri="{FF2B5EF4-FFF2-40B4-BE49-F238E27FC236}">
+                <a16:creationId xmlns:a16="http://schemas.microsoft.com/office/drawing/2014/main" id="{9D938D16-8124-4A7B-B237-443CF2945BED}"/>
+              </a:ext>
+            </a:extLst>
+          </p:cNvPr>
+          <p:cNvSpPr>
+            <a:spLocks noGrp="1"/>
+          </p:cNvSpPr>
+          <p:nvPr>
+            <p:ph idx="1"/>
+          </p:nvPr>
+        </p:nvSpPr>
+        <p:spPr/>
+        <p:txBody>
+          <a:bodyPr>
+            <a:normAutofit lnSpcReduction="10000"/>
+          </a:bodyPr>
+          <a:lstStyle/>
+          <a:p>
+            <a:pPr marL="0" indent="0">
+              <a:buNone/>
+            </a:pPr>
+            <a:r>
+              <a:rPr lang="ja-JP" altLang="en-US" dirty="0"/>
+              <a:t>１・プレイする前の魅力</a:t>
+            </a:r>
+            <a:endParaRPr lang="en-US" altLang="ja-JP" dirty="0"/>
+          </a:p>
+          <a:p>
+            <a:pPr marL="0" indent="0">
+              <a:buNone/>
+            </a:pPr>
+            <a:r>
+              <a:rPr kumimoji="1" lang="ja-JP" altLang="en-US" dirty="0"/>
+              <a:t>オブジェクトに接触する度に発生する気持ちいい音と派手なエフェクト</a:t>
+            </a:r>
+            <a:endParaRPr kumimoji="1" lang="en-US" altLang="ja-JP" dirty="0"/>
+          </a:p>
+          <a:p>
+            <a:pPr marL="0" indent="0">
+              <a:buNone/>
+            </a:pPr>
+            <a:endParaRPr lang="en-US" altLang="ja-JP" dirty="0"/>
+          </a:p>
+          <a:p>
+            <a:pPr marL="0" indent="0">
+              <a:buNone/>
+            </a:pPr>
+            <a:r>
+              <a:rPr kumimoji="1" lang="ja-JP" altLang="en-US" dirty="0"/>
+              <a:t>２・再度遊びたくなる魅力</a:t>
+            </a:r>
+            <a:endParaRPr kumimoji="1" lang="en-US" altLang="ja-JP" dirty="0"/>
+          </a:p>
+          <a:p>
+            <a:pPr marL="0" indent="0">
+              <a:buNone/>
+            </a:pPr>
+            <a:r>
+              <a:rPr lang="ja-JP" altLang="en-US" dirty="0"/>
+              <a:t>ステージ毎に変わるギミックや世界観で新鮮さを味わえる</a:t>
+            </a:r>
+            <a:endParaRPr lang="en-US" altLang="ja-JP" dirty="0"/>
+          </a:p>
+          <a:p>
+            <a:pPr marL="0" indent="0">
+              <a:buNone/>
+            </a:pPr>
+            <a:endParaRPr kumimoji="1" lang="en-US" altLang="ja-JP" dirty="0"/>
+          </a:p>
+          <a:p>
+            <a:pPr marL="0" indent="0">
+              <a:buNone/>
+            </a:pPr>
+            <a:r>
+              <a:rPr lang="ja-JP" altLang="en-US" dirty="0"/>
+              <a:t>３・やり込みたくなる魅力</a:t>
+            </a:r>
+            <a:endParaRPr lang="en-US" altLang="ja-JP" dirty="0"/>
+          </a:p>
+          <a:p>
+            <a:pPr marL="0" indent="0">
+              <a:buNone/>
+            </a:pPr>
+            <a:r>
+              <a:rPr kumimoji="1" lang="ja-JP" altLang="en-US" dirty="0"/>
+              <a:t>スコアアタックや２</a:t>
+            </a:r>
+            <a:r>
+              <a:rPr kumimoji="1" lang="en-US" altLang="ja-JP" dirty="0"/>
+              <a:t>P</a:t>
+            </a:r>
+            <a:r>
+              <a:rPr kumimoji="1" lang="ja-JP" altLang="en-US" dirty="0"/>
+              <a:t>対戦モード</a:t>
+            </a:r>
+          </a:p>
+        </p:txBody>
+      </p:sp>
+    </p:spTree>
+    <p:extLst>
+      <p:ext uri="{BB962C8B-B14F-4D97-AF65-F5344CB8AC3E}">
+        <p14:creationId xmlns:p14="http://schemas.microsoft.com/office/powerpoint/2010/main" val="2938786973"/>
+      </p:ext>
+    </p:extLst>
+  </p:cSld>
+  <p:clrMapOvr>
+    <a:masterClrMapping/>
+  </p:clrMapOvr>
+</p:sld>
+</file>
+
+<file path=ppt/slides/slide7.xml><?xml version="1.0" encoding="utf-8"?>
+<p:sld xmlns:a="http://schemas.openxmlformats.org/drawingml/2006/main" xmlns:r="http://schemas.openxmlformats.org/officeDocument/2006/relationships" xmlns:p="http://schemas.openxmlformats.org/presentationml/2006/main">
+  <p:cSld>
+    <p:spTree>
+      <p:nvGrpSpPr>
+        <p:cNvPr id="1" name=""/>
+        <p:cNvGrpSpPr/>
+        <p:nvPr/>
+      </p:nvGrpSpPr>
+      <p:grpSpPr>
+        <a:xfrm>
+          <a:off x="0" y="0"/>
+          <a:ext cx="0" cy="0"/>
+          <a:chOff x="0" y="0"/>
+          <a:chExt cx="0" cy="0"/>
+        </a:xfrm>
+      </p:grpSpPr>
+      <p:sp>
+        <p:nvSpPr>
+          <p:cNvPr id="2" name="タイトル 1">
+            <a:extLst>
+              <a:ext uri="{FF2B5EF4-FFF2-40B4-BE49-F238E27FC236}">
+                <a16:creationId xmlns:a16="http://schemas.microsoft.com/office/drawing/2014/main" id="{FF648D99-C990-44B2-BC63-2DD5412CD1C0}"/>
+              </a:ext>
+            </a:extLst>
+          </p:cNvPr>
+          <p:cNvSpPr>
+            <a:spLocks noGrp="1"/>
+          </p:cNvSpPr>
+          <p:nvPr>
+            <p:ph type="title"/>
+          </p:nvPr>
+        </p:nvSpPr>
+        <p:spPr/>
+        <p:txBody>
+          <a:bodyPr/>
+          <a:lstStyle/>
+          <a:p>
+            <a:pPr algn="ctr"/>
+            <a:r>
+              <a:rPr lang="ja-JP" altLang="en-US" dirty="0"/>
+              <a:t>感触</a:t>
+            </a:r>
+            <a:endParaRPr kumimoji="1" lang="ja-JP" altLang="en-US" dirty="0"/>
+          </a:p>
+        </p:txBody>
+      </p:sp>
+      <p:sp>
+        <p:nvSpPr>
+          <p:cNvPr id="3" name="コンテンツ プレースホルダー 2">
+            <a:extLst>
+              <a:ext uri="{FF2B5EF4-FFF2-40B4-BE49-F238E27FC236}">
+                <a16:creationId xmlns:a16="http://schemas.microsoft.com/office/drawing/2014/main" id="{34614AAB-B3FC-48C8-B098-57ED9B997ABA}"/>
+              </a:ext>
+            </a:extLst>
+          </p:cNvPr>
+          <p:cNvSpPr>
+            <a:spLocks noGrp="1"/>
+          </p:cNvSpPr>
+          <p:nvPr>
+            <p:ph idx="1"/>
+          </p:nvPr>
+        </p:nvSpPr>
+        <p:spPr/>
+        <p:txBody>
+          <a:bodyPr>
+            <a:normAutofit/>
+          </a:bodyPr>
+          <a:lstStyle/>
+          <a:p>
+            <a:pPr marL="0" indent="0">
+              <a:buNone/>
+            </a:pPr>
+            <a:r>
+              <a:rPr lang="ja-JP" altLang="en-US" dirty="0"/>
+              <a:t>１・ステージのギミックや敵の能力を把握し、</a:t>
+            </a:r>
+            <a:endParaRPr lang="en-US" altLang="ja-JP" dirty="0"/>
+          </a:p>
+          <a:p>
+            <a:pPr marL="0" indent="0">
+              <a:buNone/>
+            </a:pPr>
+            <a:r>
+              <a:rPr kumimoji="1" lang="ja-JP" altLang="en-US" dirty="0"/>
+              <a:t>自身の能力と照らし合わせながら最適なルートを導く</a:t>
+            </a:r>
+            <a:endParaRPr kumimoji="1" lang="en-US" altLang="ja-JP" dirty="0"/>
+          </a:p>
+          <a:p>
+            <a:pPr marL="0" indent="0">
+              <a:buNone/>
+            </a:pPr>
+            <a:r>
+              <a:rPr lang="en-US" altLang="ja-JP" sz="2000" dirty="0"/>
+              <a:t>(</a:t>
+            </a:r>
+            <a:r>
+              <a:rPr lang="ja-JP" altLang="en-US" sz="2000" dirty="0"/>
+              <a:t>例：壁に反射してしまうと落下してしまうステージで、</a:t>
+            </a:r>
+            <a:endParaRPr lang="en-US" altLang="ja-JP" sz="2000" dirty="0"/>
+          </a:p>
+          <a:p>
+            <a:pPr marL="0" indent="0">
+              <a:buNone/>
+            </a:pPr>
+            <a:r>
+              <a:rPr lang="ja-JP" altLang="en-US" sz="2000" dirty="0"/>
+              <a:t>ステージの壁を柔らかく反射しないものに変えて攻略</a:t>
+            </a:r>
+            <a:r>
+              <a:rPr lang="en-US" altLang="ja-JP" sz="2000" dirty="0"/>
+              <a:t>)</a:t>
+            </a:r>
+            <a:endParaRPr kumimoji="1" lang="en-US" altLang="ja-JP" sz="2000" dirty="0"/>
+          </a:p>
+          <a:p>
+            <a:pPr marL="0" indent="0">
+              <a:buNone/>
+            </a:pPr>
+            <a:endParaRPr lang="en-US" altLang="ja-JP" dirty="0"/>
+          </a:p>
+          <a:p>
+            <a:pPr marL="0" indent="0">
+              <a:buNone/>
+            </a:pPr>
+            <a:r>
+              <a:rPr kumimoji="1" lang="ja-JP" altLang="en-US" dirty="0"/>
+              <a:t>２・ボールをタイミングよく発射させる</a:t>
+            </a:r>
+            <a:endParaRPr kumimoji="1" lang="en-US" altLang="ja-JP" dirty="0"/>
+          </a:p>
+          <a:p>
+            <a:pPr marL="0" indent="0">
+              <a:buNone/>
+            </a:pPr>
+            <a:endParaRPr lang="en-US" altLang="ja-JP" dirty="0"/>
+          </a:p>
+          <a:p>
+            <a:pPr marL="0" indent="0">
+              <a:buNone/>
+            </a:pPr>
+            <a:r>
+              <a:rPr kumimoji="1" lang="ja-JP" altLang="en-US" dirty="0"/>
+              <a:t>３・アイテムをゲットしたり自身の能力をレベルアップさせて</a:t>
+            </a:r>
+            <a:endParaRPr kumimoji="1" lang="en-US" altLang="ja-JP" dirty="0"/>
+          </a:p>
+          <a:p>
+            <a:pPr marL="0" indent="0">
+              <a:buNone/>
+            </a:pPr>
+            <a:r>
+              <a:rPr lang="ja-JP" altLang="en-US" dirty="0"/>
+              <a:t>次のステージへ</a:t>
+            </a:r>
+            <a:endParaRPr kumimoji="1" lang="ja-JP" altLang="en-US" dirty="0"/>
+          </a:p>
+        </p:txBody>
+      </p:sp>
+    </p:spTree>
+    <p:extLst>
+      <p:ext uri="{BB962C8B-B14F-4D97-AF65-F5344CB8AC3E}">
+        <p14:creationId xmlns:p14="http://schemas.microsoft.com/office/powerpoint/2010/main" val="3854271534"/>
       </p:ext>
     </p:extLst>
   </p:cSld>
